--- a/static/slide.pptx
+++ b/static/slide.pptx
@@ -1495,7 +1495,10 @@
               <a:spcBef>
                 <a:spcPts val="500"/>
               </a:spcBef>
-              <a:defRPr sz="2000"/>
+              <a:defRPr sz="2000">
+                <a:latin typeface="Arial" panose="020B0604020202020204" pitchFamily="34" charset="0"/>
+                <a:cs typeface="Arial" panose="020B0604020202020204" pitchFamily="34" charset="0"/>
+              </a:defRPr>
             </a:lvl1pPr>
             <a:lvl2pPr marL="628650" indent="-230400">
               <a:lnSpc>
@@ -1506,7 +1509,10 @@
               </a:spcBef>
               <a:buFont typeface="Arial" panose="020B0604020202020204" pitchFamily="34" charset="0"/>
               <a:buChar char="•"/>
-              <a:defRPr sz="1800"/>
+              <a:defRPr sz="1800">
+                <a:latin typeface="Arial" panose="020B0604020202020204" pitchFamily="34" charset="0"/>
+                <a:cs typeface="Arial" panose="020B0604020202020204" pitchFamily="34" charset="0"/>
+              </a:defRPr>
             </a:lvl2pPr>
             <a:lvl3pPr marL="971550" indent="-230400">
               <a:lnSpc>
@@ -1517,7 +1523,10 @@
               </a:spcBef>
               <a:buFont typeface="Arial" panose="020B0604020202020204" pitchFamily="34" charset="0"/>
               <a:buChar char="•"/>
-              <a:defRPr sz="1600"/>
+              <a:defRPr sz="1600">
+                <a:latin typeface="Arial" panose="020B0604020202020204" pitchFamily="34" charset="0"/>
+                <a:cs typeface="Arial" panose="020B0604020202020204" pitchFamily="34" charset="0"/>
+              </a:defRPr>
             </a:lvl3pPr>
             <a:lvl4pPr marL="1314450" indent="-230400">
               <a:lnSpc>
@@ -1528,7 +1537,10 @@
               </a:spcBef>
               <a:buFont typeface="Arial" panose="020B0604020202020204" pitchFamily="34" charset="0"/>
               <a:buChar char="•"/>
-              <a:defRPr sz="1400"/>
+              <a:defRPr sz="1400">
+                <a:latin typeface="Arial" panose="020B0604020202020204" pitchFamily="34" charset="0"/>
+                <a:cs typeface="Arial" panose="020B0604020202020204" pitchFamily="34" charset="0"/>
+              </a:defRPr>
             </a:lvl4pPr>
             <a:lvl5pPr marL="1657350" indent="-230400">
               <a:lnSpc>
@@ -1539,7 +1551,10 @@
               </a:spcBef>
               <a:buFont typeface="Arial" panose="020B0604020202020204" pitchFamily="34" charset="0"/>
               <a:buChar char="•"/>
-              <a:defRPr sz="1400"/>
+              <a:defRPr sz="1400">
+                <a:latin typeface="Arial" panose="020B0604020202020204" pitchFamily="34" charset="0"/>
+                <a:cs typeface="Arial" panose="020B0604020202020204" pitchFamily="34" charset="0"/>
+              </a:defRPr>
             </a:lvl5pPr>
           </a:lstStyle>
           <a:p>
@@ -3880,7 +3895,7 @@
       </p:sp>
       <p:cxnSp>
         <p:nvCxnSpPr>
-          <p:cNvPr id="23" name="직선 연결선 22">
+          <p:cNvPr id="2" name="직선 연결선 1">
             <a:extLst>
               <a:ext uri="{FF2B5EF4-FFF2-40B4-BE49-F238E27FC236}">
                 <a16:creationId xmlns:a16="http://schemas.microsoft.com/office/drawing/2014/main" id="{51B2E534-3E71-D1AA-3A36-D63E7F792139}"/>
@@ -3919,10 +3934,10 @@
       </p:cxnSp>
       <p:sp>
         <p:nvSpPr>
-          <p:cNvPr id="24" name="내용 개체 틀 3">
+          <p:cNvPr id="16" name="텍스트 개체 틀 13">
             <a:extLst>
               <a:ext uri="{FF2B5EF4-FFF2-40B4-BE49-F238E27FC236}">
-                <a16:creationId xmlns:a16="http://schemas.microsoft.com/office/drawing/2014/main" id="{5A404E93-1408-C932-8DA1-513CC84F2263}"/>
+                <a16:creationId xmlns:a16="http://schemas.microsoft.com/office/drawing/2014/main" id="{DB675307-314A-72D0-3701-B53E3614DDDD}"/>
               </a:ext>
             </a:extLst>
           </p:cNvPr>
@@ -3930,17 +3945,14 @@
             <a:spLocks noGrp="1"/>
           </p:cNvSpPr>
           <p:nvPr>
-            <p:ph sz="quarter" idx="15"/>
+            <p:ph type="body" sz="quarter" idx="18" hasCustomPrompt="1"/>
           </p:nvPr>
         </p:nvSpPr>
         <p:spPr>
           <a:xfrm>
-            <a:off x="203200" y="782638"/>
-            <a:ext cx="11726863" cy="254000"/>
+            <a:off x="203363" y="775638"/>
+            <a:ext cx="11726860" cy="242439"/>
           </a:xfrm>
-          <a:prstGeom prst="rect">
-            <a:avLst/>
-          </a:prstGeom>
         </p:spPr>
         <p:txBody>
           <a:bodyPr>
@@ -3954,7 +3966,10 @@
           </a:lstStyle>
           <a:p>
             <a:pPr lvl="0"/>
-            <a:endParaRPr lang="ko-KR" altLang="en-US" dirty="0"/>
+            <a:r>
+              <a:rPr lang="ko-KR" altLang="en-US" dirty="0"/>
+              <a:t>개체</a:t>
+            </a:r>
           </a:p>
         </p:txBody>
       </p:sp>
@@ -4430,35 +4445,35 @@
           <a:p>
             <a:pPr lvl="0"/>
             <a:r>
-              <a:rPr lang="en-US"/>
+              <a:rPr dirty="0" lang="en-US"/>
               <a:t>Click to edit Master text styles</a:t>
             </a:r>
           </a:p>
           <a:p>
             <a:pPr lvl="1"/>
             <a:r>
-              <a:rPr lang="en-US"/>
+              <a:rPr dirty="0" lang="en-US"/>
               <a:t>Second level</a:t>
             </a:r>
           </a:p>
           <a:p>
             <a:pPr lvl="2"/>
             <a:r>
-              <a:rPr lang="en-US"/>
+              <a:rPr dirty="0" lang="en-US"/>
               <a:t>Third level</a:t>
             </a:r>
           </a:p>
           <a:p>
             <a:pPr lvl="3"/>
             <a:r>
-              <a:rPr lang="en-US"/>
+              <a:rPr dirty="0" lang="en-US"/>
               <a:t>Fourth level</a:t>
             </a:r>
           </a:p>
           <a:p>
             <a:pPr lvl="4"/>
             <a:r>
-              <a:rPr lang="en-US"/>
+              <a:rPr dirty="0" lang="en-US"/>
               <a:t>Fifth level</a:t>
             </a:r>
           </a:p>
@@ -4493,13 +4508,17 @@
                     <a:tint val="75000"/>
                   </a:schemeClr>
                 </a:solidFill>
+                <a:latin charset="0" panose="020B0604020202020204" pitchFamily="34" typeface="Arial"/>
+                <a:ea typeface="+mn-ea"/>
+                <a:cs charset="0" panose="020B0604020202020204" pitchFamily="34" typeface="Arial"/>
               </a:defRPr>
             </a:lvl1pPr>
           </a:lstStyle>
           <a:p>
             <a:fld id="{241EB5C9-1307-BA42-ABA2-0BC069CD8E7F}" type="datetimeFigureOut">
               <a:rPr lang="en-US" smtClean="0"/>
-              <a:t>8/11/2025</a:t>
+              <a:pPr/>
+              <a:t>8/13/2025</a:t>
             </a:fld>
             <a:endParaRPr lang="en-US"/>
           </a:p>
@@ -4534,6 +4553,9 @@
                     <a:tint val="75000"/>
                   </a:schemeClr>
                 </a:solidFill>
+                <a:latin charset="0" panose="020B0604020202020204" pitchFamily="34" typeface="Arial"/>
+                <a:ea typeface="+mn-ea"/>
+                <a:cs charset="0" panose="020B0604020202020204" pitchFamily="34" typeface="Arial"/>
               </a:defRPr>
             </a:lvl1pPr>
           </a:lstStyle>
@@ -4571,12 +4593,16 @@
                     <a:tint val="75000"/>
                   </a:schemeClr>
                 </a:solidFill>
+                <a:latin charset="0" panose="020B0604020202020204" pitchFamily="34" typeface="Arial"/>
+                <a:ea typeface="+mn-ea"/>
+                <a:cs charset="0" panose="020B0604020202020204" pitchFamily="34" typeface="Arial"/>
               </a:defRPr>
             </a:lvl1pPr>
           </a:lstStyle>
           <a:p>
             <a:fld id="{C5EF2332-01BF-834F-8236-50238282D533}" type="slidenum">
               <a:rPr lang="en-US" smtClean="0"/>
+              <a:pPr/>
               <a:t>‹#›</a:t>
             </a:fld>
             <a:endParaRPr lang="en-US"/>
@@ -4615,9 +4641,9 @@
           <a:solidFill>
             <a:schemeClr val="tx1"/>
           </a:solidFill>
-          <a:latin typeface="+mj-lt"/>
-          <a:ea typeface="+mj-ea"/>
-          <a:cs typeface="+mj-cs"/>
+          <a:latin charset="0" panose="020B0604020202020204" pitchFamily="34" typeface="Arial"/>
+          <a:ea typeface="+mn-ea"/>
+          <a:cs charset="0" panose="020B0604020202020204" pitchFamily="34" typeface="Arial"/>
         </a:defRPr>
       </a:lvl1pPr>
     </p:titleStyle>
@@ -4632,9 +4658,9 @@
           <a:solidFill>
             <a:schemeClr val="tx1"/>
           </a:solidFill>
-          <a:latin typeface="+mn-lt"/>
+          <a:latin charset="0" panose="020B0604020202020204" pitchFamily="34" typeface="Arial"/>
           <a:ea typeface="+mn-ea"/>
-          <a:cs typeface="+mn-cs"/>
+          <a:cs charset="0" panose="020B0604020202020204" pitchFamily="34" typeface="Arial"/>
         </a:defRPr>
       </a:lvl1pPr>
       <a:lvl2pPr algn="l" defTabSz="342900" eaLnBrk="1" hangingPunct="1" indent="-342900" latinLnBrk="0" marL="685800" rtl="0">
@@ -4647,9 +4673,9 @@
           <a:solidFill>
             <a:schemeClr val="tx1"/>
           </a:solidFill>
-          <a:latin typeface="+mn-lt"/>
+          <a:latin charset="0" panose="020B0604020202020204" pitchFamily="34" typeface="Arial"/>
           <a:ea typeface="+mn-ea"/>
-          <a:cs typeface="+mn-cs"/>
+          <a:cs charset="0" panose="020B0604020202020204" pitchFamily="34" typeface="Arial"/>
         </a:defRPr>
       </a:lvl2pPr>
       <a:lvl3pPr algn="l" defTabSz="342900" eaLnBrk="1" hangingPunct="1" indent="-342900" latinLnBrk="0" marL="1028700" rtl="0">
@@ -4662,9 +4688,9 @@
           <a:solidFill>
             <a:schemeClr val="tx1"/>
           </a:solidFill>
-          <a:latin typeface="+mn-lt"/>
+          <a:latin charset="0" panose="020B0604020202020204" pitchFamily="34" typeface="Arial"/>
           <a:ea typeface="+mn-ea"/>
-          <a:cs typeface="+mn-cs"/>
+          <a:cs charset="0" panose="020B0604020202020204" pitchFamily="34" typeface="Arial"/>
         </a:defRPr>
       </a:lvl3pPr>
       <a:lvl4pPr algn="l" defTabSz="342900" eaLnBrk="1" hangingPunct="1" indent="-342900" latinLnBrk="0" marL="1371600" rtl="0">
@@ -4677,9 +4703,9 @@
           <a:solidFill>
             <a:schemeClr val="tx1"/>
           </a:solidFill>
-          <a:latin typeface="+mn-lt"/>
+          <a:latin charset="0" panose="020B0604020202020204" pitchFamily="34" typeface="Arial"/>
           <a:ea typeface="+mn-ea"/>
-          <a:cs typeface="+mn-cs"/>
+          <a:cs charset="0" panose="020B0604020202020204" pitchFamily="34" typeface="Arial"/>
         </a:defRPr>
       </a:lvl4pPr>
       <a:lvl5pPr algn="l" defTabSz="342900" eaLnBrk="1" hangingPunct="1" indent="-342900" latinLnBrk="0" marL="1714500" rtl="0">
@@ -4692,9 +4718,9 @@
           <a:solidFill>
             <a:schemeClr val="tx1"/>
           </a:solidFill>
-          <a:latin typeface="+mn-lt"/>
+          <a:latin charset="0" panose="020B0604020202020204" pitchFamily="34" typeface="Arial"/>
           <a:ea typeface="+mn-ea"/>
-          <a:cs typeface="+mn-cs"/>
+          <a:cs charset="0" panose="020B0604020202020204" pitchFamily="34" typeface="Arial"/>
         </a:defRPr>
       </a:lvl5pPr>
       <a:lvl6pPr algn="l" defTabSz="342900" eaLnBrk="1" hangingPunct="1" indent="-342900" latinLnBrk="0" marL="2057400" rtl="0">
@@ -7335,76 +7361,16 @@
         <a:srgbClr val="800080"/>
       </a:folHlink>
     </a:clrScheme>
-    <a:fontScheme name="Office">
+    <a:fontScheme name="사용자 지정 2">
       <a:majorFont>
-        <a:latin typeface="Calibri"/>
-        <a:ea typeface=""/>
+        <a:latin typeface="Arial"/>
+        <a:ea typeface="맑은 고딕"/>
         <a:cs typeface=""/>
-        <a:font script="Jpan" typeface="ＭＳ Ｐゴシック"/>
-        <a:font script="Hang" typeface="맑은 고딕"/>
-        <a:font script="Hans" typeface="宋体"/>
-        <a:font script="Hant" typeface="新細明體"/>
-        <a:font script="Arab" typeface="Times New Roman"/>
-        <a:font script="Hebr" typeface="Times New Roman"/>
-        <a:font script="Thai" typeface="Angsana New"/>
-        <a:font script="Ethi" typeface="Nyala"/>
-        <a:font script="Beng" typeface="Vrinda"/>
-        <a:font script="Gujr" typeface="Shruti"/>
-        <a:font script="Khmr" typeface="MoolBoran"/>
-        <a:font script="Knda" typeface="Tunga"/>
-        <a:font script="Guru" typeface="Raavi"/>
-        <a:font script="Cans" typeface="Euphemia"/>
-        <a:font script="Cher" typeface="Plantagenet Cherokee"/>
-        <a:font script="Yiii" typeface="Microsoft Yi Baiti"/>
-        <a:font script="Tibt" typeface="Microsoft Himalaya"/>
-        <a:font script="Thaa" typeface="MV Boli"/>
-        <a:font script="Deva" typeface="Mangal"/>
-        <a:font script="Telu" typeface="Gautami"/>
-        <a:font script="Taml" typeface="Latha"/>
-        <a:font script="Syrc" typeface="Estrangelo Edessa"/>
-        <a:font script="Orya" typeface="Kalinga"/>
-        <a:font script="Mlym" typeface="Kartika"/>
-        <a:font script="Laoo" typeface="DokChampa"/>
-        <a:font script="Sinh" typeface="Iskoola Pota"/>
-        <a:font script="Mong" typeface="Mongolian Baiti"/>
-        <a:font script="Viet" typeface="Times New Roman"/>
-        <a:font script="Uigh" typeface="Microsoft Uighur"/>
-        <a:font script="Geor" typeface="Sylfaen"/>
       </a:majorFont>
       <a:minorFont>
-        <a:latin typeface="Calibri"/>
-        <a:ea typeface=""/>
+        <a:latin typeface="Arial"/>
+        <a:ea typeface="맑은 고딕"/>
         <a:cs typeface=""/>
-        <a:font script="Jpan" typeface="ＭＳ Ｐゴシック"/>
-        <a:font script="Hang" typeface="맑은 고딕"/>
-        <a:font script="Hans" typeface="宋体"/>
-        <a:font script="Hant" typeface="新細明體"/>
-        <a:font script="Arab" typeface="Arial"/>
-        <a:font script="Hebr" typeface="Arial"/>
-        <a:font script="Thai" typeface="Cordia New"/>
-        <a:font script="Ethi" typeface="Nyala"/>
-        <a:font script="Beng" typeface="Vrinda"/>
-        <a:font script="Gujr" typeface="Shruti"/>
-        <a:font script="Khmr" typeface="DaunPenh"/>
-        <a:font script="Knda" typeface="Tunga"/>
-        <a:font script="Guru" typeface="Raavi"/>
-        <a:font script="Cans" typeface="Euphemia"/>
-        <a:font script="Cher" typeface="Plantagenet Cherokee"/>
-        <a:font script="Yiii" typeface="Microsoft Yi Baiti"/>
-        <a:font script="Tibt" typeface="Microsoft Himalaya"/>
-        <a:font script="Thaa" typeface="MV Boli"/>
-        <a:font script="Deva" typeface="Mangal"/>
-        <a:font script="Telu" typeface="Gautami"/>
-        <a:font script="Taml" typeface="Latha"/>
-        <a:font script="Syrc" typeface="Estrangelo Edessa"/>
-        <a:font script="Orya" typeface="Kalinga"/>
-        <a:font script="Mlym" typeface="Kartika"/>
-        <a:font script="Laoo" typeface="DokChampa"/>
-        <a:font script="Sinh" typeface="Iskoola Pota"/>
-        <a:font script="Mong" typeface="Mongolian Baiti"/>
-        <a:font script="Viet" typeface="Arial"/>
-        <a:font script="Uigh" typeface="Microsoft Uighur"/>
-        <a:font script="Geor" typeface="Sylfaen"/>
       </a:minorFont>
     </a:fontScheme>
     <a:fmtScheme name="Office">
